--- a/images/grafiki2.pptx
+++ b/images/grafiki2.pptx
@@ -293,7 +293,7 @@
           <a:p>
             <a:fld id="{73DC2A5F-AB26-4093-A5A0-5979EA2459B3}" type="datetimeFigureOut">
               <a:rPr lang="en-US" smtClean="0"/>
-              <a:t>12/13/2017</a:t>
+              <a:t>12/17/2017</a:t>
             </a:fld>
             <a:endParaRPr lang="en-US"/>
           </a:p>
@@ -463,7 +463,7 @@
           <a:p>
             <a:fld id="{73DC2A5F-AB26-4093-A5A0-5979EA2459B3}" type="datetimeFigureOut">
               <a:rPr lang="en-US" smtClean="0"/>
-              <a:t>12/13/2017</a:t>
+              <a:t>12/17/2017</a:t>
             </a:fld>
             <a:endParaRPr lang="en-US"/>
           </a:p>
@@ -643,7 +643,7 @@
           <a:p>
             <a:fld id="{73DC2A5F-AB26-4093-A5A0-5979EA2459B3}" type="datetimeFigureOut">
               <a:rPr lang="en-US" smtClean="0"/>
-              <a:t>12/13/2017</a:t>
+              <a:t>12/17/2017</a:t>
             </a:fld>
             <a:endParaRPr lang="en-US"/>
           </a:p>
@@ -813,7 +813,7 @@
           <a:p>
             <a:fld id="{73DC2A5F-AB26-4093-A5A0-5979EA2459B3}" type="datetimeFigureOut">
               <a:rPr lang="en-US" smtClean="0"/>
-              <a:t>12/13/2017</a:t>
+              <a:t>12/17/2017</a:t>
             </a:fld>
             <a:endParaRPr lang="en-US"/>
           </a:p>
@@ -1059,7 +1059,7 @@
           <a:p>
             <a:fld id="{73DC2A5F-AB26-4093-A5A0-5979EA2459B3}" type="datetimeFigureOut">
               <a:rPr lang="en-US" smtClean="0"/>
-              <a:t>12/13/2017</a:t>
+              <a:t>12/17/2017</a:t>
             </a:fld>
             <a:endParaRPr lang="en-US"/>
           </a:p>
@@ -1347,7 +1347,7 @@
           <a:p>
             <a:fld id="{73DC2A5F-AB26-4093-A5A0-5979EA2459B3}" type="datetimeFigureOut">
               <a:rPr lang="en-US" smtClean="0"/>
-              <a:t>12/13/2017</a:t>
+              <a:t>12/17/2017</a:t>
             </a:fld>
             <a:endParaRPr lang="en-US"/>
           </a:p>
@@ -1769,7 +1769,7 @@
           <a:p>
             <a:fld id="{73DC2A5F-AB26-4093-A5A0-5979EA2459B3}" type="datetimeFigureOut">
               <a:rPr lang="en-US" smtClean="0"/>
-              <a:t>12/13/2017</a:t>
+              <a:t>12/17/2017</a:t>
             </a:fld>
             <a:endParaRPr lang="en-US"/>
           </a:p>
@@ -1887,7 +1887,7 @@
           <a:p>
             <a:fld id="{73DC2A5F-AB26-4093-A5A0-5979EA2459B3}" type="datetimeFigureOut">
               <a:rPr lang="en-US" smtClean="0"/>
-              <a:t>12/13/2017</a:t>
+              <a:t>12/17/2017</a:t>
             </a:fld>
             <a:endParaRPr lang="en-US"/>
           </a:p>
@@ -1982,7 +1982,7 @@
           <a:p>
             <a:fld id="{73DC2A5F-AB26-4093-A5A0-5979EA2459B3}" type="datetimeFigureOut">
               <a:rPr lang="en-US" smtClean="0"/>
-              <a:t>12/13/2017</a:t>
+              <a:t>12/17/2017</a:t>
             </a:fld>
             <a:endParaRPr lang="en-US"/>
           </a:p>
@@ -2259,7 +2259,7 @@
           <a:p>
             <a:fld id="{73DC2A5F-AB26-4093-A5A0-5979EA2459B3}" type="datetimeFigureOut">
               <a:rPr lang="en-US" smtClean="0"/>
-              <a:t>12/13/2017</a:t>
+              <a:t>12/17/2017</a:t>
             </a:fld>
             <a:endParaRPr lang="en-US"/>
           </a:p>
@@ -2512,7 +2512,7 @@
           <a:p>
             <a:fld id="{73DC2A5F-AB26-4093-A5A0-5979EA2459B3}" type="datetimeFigureOut">
               <a:rPr lang="en-US" smtClean="0"/>
-              <a:t>12/13/2017</a:t>
+              <a:t>12/17/2017</a:t>
             </a:fld>
             <a:endParaRPr lang="en-US"/>
           </a:p>
@@ -2725,7 +2725,7 @@
           <a:p>
             <a:fld id="{73DC2A5F-AB26-4093-A5A0-5979EA2459B3}" type="datetimeFigureOut">
               <a:rPr lang="en-US" smtClean="0"/>
-              <a:t>12/13/2017</a:t>
+              <a:t>12/17/2017</a:t>
             </a:fld>
             <a:endParaRPr lang="en-US"/>
           </a:p>
@@ -4076,7 +4076,7 @@
             <a:avLst/>
           </a:prstGeom>
           <a:solidFill>
-            <a:srgbClr val="FF0000"/>
+            <a:srgbClr val="8B279F"/>
           </a:solidFill>
           <a:ln>
             <a:noFill/>
@@ -4122,7 +4122,7 @@
             <a:avLst/>
           </a:prstGeom>
           <a:solidFill>
-            <a:srgbClr val="FF0000"/>
+            <a:srgbClr val="8B279F"/>
           </a:solidFill>
           <a:ln>
             <a:noFill/>
@@ -4168,7 +4168,7 @@
             <a:avLst/>
           </a:prstGeom>
           <a:solidFill>
-            <a:srgbClr val="FF0000"/>
+            <a:srgbClr val="8B279F"/>
           </a:solidFill>
           <a:ln>
             <a:noFill/>
@@ -4214,7 +4214,7 @@
             <a:avLst/>
           </a:prstGeom>
           <a:solidFill>
-            <a:srgbClr val="FF0000"/>
+            <a:srgbClr val="8B279F"/>
           </a:solidFill>
           <a:ln>
             <a:noFill/>
@@ -4260,7 +4260,7 @@
             <a:avLst/>
           </a:prstGeom>
           <a:solidFill>
-            <a:srgbClr val="FF0000"/>
+            <a:srgbClr val="8B279F"/>
           </a:solidFill>
           <a:ln>
             <a:noFill/>
@@ -4306,7 +4306,7 @@
             <a:avLst/>
           </a:prstGeom>
           <a:solidFill>
-            <a:srgbClr val="FF0000"/>
+            <a:srgbClr val="8B279F"/>
           </a:solidFill>
           <a:ln>
             <a:noFill/>
@@ -4352,7 +4352,7 @@
             <a:avLst/>
           </a:prstGeom>
           <a:solidFill>
-            <a:srgbClr val="FF0000"/>
+            <a:srgbClr val="8B279F"/>
           </a:solidFill>
           <a:ln>
             <a:noFill/>
@@ -5113,47 +5113,7 @@
           <a:p>
             <a:r>
               <a:rPr lang="pl-PL" sz="1400" dirty="0" smtClean="0"/>
-              <a:t> </a:t>
-            </a:r>
-            <a:r>
-              <a:rPr lang="pl-PL" sz="1400" dirty="0" smtClean="0"/>
-              <a:t>  1.8              1.6            </a:t>
-            </a:r>
-            <a:r>
-              <a:rPr lang="pl-PL" sz="1400" dirty="0" smtClean="0"/>
-              <a:t>1.15  </a:t>
-            </a:r>
-            <a:r>
-              <a:rPr lang="pl-PL" sz="1400" dirty="0" smtClean="0"/>
-              <a:t>          </a:t>
-            </a:r>
-            <a:r>
-              <a:rPr lang="pl-PL" sz="1400" dirty="0" smtClean="0"/>
-              <a:t>0.7    </a:t>
-            </a:r>
-            <a:r>
-              <a:rPr lang="pl-PL" sz="1400" dirty="0" smtClean="0"/>
-              <a:t>         </a:t>
-            </a:r>
-            <a:r>
-              <a:rPr lang="pl-PL" sz="1400" dirty="0" smtClean="0"/>
-              <a:t>0.5   </a:t>
-            </a:r>
-            <a:r>
-              <a:rPr lang="pl-PL" sz="1400" dirty="0" smtClean="0"/>
-              <a:t>          </a:t>
-            </a:r>
-            <a:r>
-              <a:rPr lang="pl-PL" sz="1400" dirty="0" smtClean="0"/>
-              <a:t>0.3 </a:t>
-            </a:r>
-            <a:r>
-              <a:rPr lang="pl-PL" sz="1400" dirty="0" smtClean="0"/>
-              <a:t>              </a:t>
-            </a:r>
-            <a:r>
-              <a:rPr lang="pl-PL" sz="1400" dirty="0" smtClean="0"/>
-              <a:t>0</a:t>
+              <a:t>   1.8              1.6            1.15            0.7             0.5             0.3               0</a:t>
             </a:r>
             <a:endParaRPr lang="en-US" sz="1400" dirty="0"/>
           </a:p>

--- a/images/grafiki2.pptx
+++ b/images/grafiki2.pptx
@@ -11,6 +11,7 @@
     <p:sldId id="261" r:id="rId5"/>
     <p:sldId id="258" r:id="rId6"/>
     <p:sldId id="259" r:id="rId7"/>
+    <p:sldId id="262" r:id="rId8"/>
   </p:sldIdLst>
   <p:sldSz cx="9144000" cy="6858000" type="screen4x3"/>
   <p:notesSz cx="6858000" cy="9144000"/>
@@ -5769,6 +5770,77 @@
 </p:sld>
 </file>
 
+<file path=ppt/slides/slide7.xml><?xml version="1.0" encoding="utf-8"?>
+<p:sld xmlns:a="http://schemas.openxmlformats.org/drawingml/2006/main" xmlns:r="http://schemas.openxmlformats.org/officeDocument/2006/relationships" xmlns:p="http://schemas.openxmlformats.org/presentationml/2006/main">
+  <p:cSld>
+    <p:spTree>
+      <p:nvGrpSpPr>
+        <p:cNvPr id="1" name=""/>
+        <p:cNvGrpSpPr/>
+        <p:nvPr/>
+      </p:nvGrpSpPr>
+      <p:grpSpPr>
+        <a:xfrm>
+          <a:off x="0" y="0"/>
+          <a:ext cx="0" cy="0"/>
+          <a:chOff x="0" y="0"/>
+          <a:chExt cx="0" cy="0"/>
+        </a:xfrm>
+      </p:grpSpPr>
+      <p:pic>
+        <p:nvPicPr>
+          <p:cNvPr id="1028" name="Picture 4" descr="D:\Dokumenty\Studia\mgr_fiz\magisterka\images\wybor_pikow.png"/>
+          <p:cNvPicPr>
+            <a:picLocks noChangeAspect="1" noChangeArrowheads="1"/>
+          </p:cNvPicPr>
+          <p:nvPr/>
+        </p:nvPicPr>
+        <p:blipFill>
+          <a:blip r:embed="rId2">
+            <a:extLst>
+              <a:ext uri="{28A0092B-C50C-407E-A947-70E740481C1C}">
+                <a14:useLocalDpi xmlns:a14="http://schemas.microsoft.com/office/drawing/2010/main" val="0"/>
+              </a:ext>
+            </a:extLst>
+          </a:blip>
+          <a:srcRect/>
+          <a:stretch>
+            <a:fillRect/>
+          </a:stretch>
+        </p:blipFill>
+        <p:spPr bwMode="auto">
+          <a:xfrm>
+            <a:off x="1403648" y="692696"/>
+            <a:ext cx="5105400" cy="4694238"/>
+          </a:xfrm>
+          <a:prstGeom prst="rect">
+            <a:avLst/>
+          </a:prstGeom>
+          <a:noFill/>
+          <a:extLst>
+            <a:ext uri="{909E8E84-426E-40DD-AFC4-6F175D3DCCD1}">
+              <a14:hiddenFill xmlns:a14="http://schemas.microsoft.com/office/drawing/2010/main">
+                <a:solidFill>
+                  <a:srgbClr val="FFFFFF"/>
+                </a:solidFill>
+              </a14:hiddenFill>
+            </a:ext>
+          </a:extLst>
+        </p:spPr>
+      </p:pic>
+    </p:spTree>
+    <p:extLst>
+      <p:ext uri="{BB962C8B-B14F-4D97-AF65-F5344CB8AC3E}">
+        <p14:creationId xmlns:p14="http://schemas.microsoft.com/office/powerpoint/2010/main" val="1206555359"/>
+      </p:ext>
+    </p:extLst>
+  </p:cSld>
+  <p:clrMapOvr>
+    <a:masterClrMapping/>
+  </p:clrMapOvr>
+</p:sld>
+</file>
+
 <file path=ppt/theme/theme1.xml><?xml version="1.0" encoding="utf-8"?>
 <a:theme xmlns:a="http://schemas.openxmlformats.org/drawingml/2006/main" name="Motyw pakietu Office">
   <a:themeElements>

--- a/images/grafiki2.pptx
+++ b/images/grafiki2.pptx
@@ -12,6 +12,7 @@
     <p:sldId id="258" r:id="rId6"/>
     <p:sldId id="259" r:id="rId7"/>
     <p:sldId id="262" r:id="rId8"/>
+    <p:sldId id="263" r:id="rId9"/>
   </p:sldIdLst>
   <p:sldSz cx="9144000" cy="6858000" type="screen4x3"/>
   <p:notesSz cx="6858000" cy="9144000"/>
@@ -5841,6 +5842,183 @@
 </p:sld>
 </file>
 
+<file path=ppt/slides/slide8.xml><?xml version="1.0" encoding="utf-8"?>
+<p:sld xmlns:a="http://schemas.openxmlformats.org/drawingml/2006/main" xmlns:r="http://schemas.openxmlformats.org/officeDocument/2006/relationships" xmlns:p="http://schemas.openxmlformats.org/presentationml/2006/main">
+  <p:cSld>
+    <p:spTree>
+      <p:nvGrpSpPr>
+        <p:cNvPr id="1" name=""/>
+        <p:cNvGrpSpPr/>
+        <p:nvPr/>
+      </p:nvGrpSpPr>
+      <p:grpSpPr>
+        <a:xfrm>
+          <a:off x="0" y="0"/>
+          <a:ext cx="0" cy="0"/>
+          <a:chOff x="0" y="0"/>
+          <a:chExt cx="0" cy="0"/>
+        </a:xfrm>
+      </p:grpSpPr>
+      <p:pic>
+        <p:nvPicPr>
+          <p:cNvPr id="1026" name="Picture 2" descr="D:\Dokumenty\Studia\mgr_fiz\magisterka\images\legend.png"/>
+          <p:cNvPicPr>
+            <a:picLocks noChangeAspect="1" noChangeArrowheads="1"/>
+          </p:cNvPicPr>
+          <p:nvPr/>
+        </p:nvPicPr>
+        <p:blipFill>
+          <a:blip r:embed="rId2">
+            <a:extLst>
+              <a:ext uri="{28A0092B-C50C-407E-A947-70E740481C1C}">
+                <a14:useLocalDpi xmlns:a14="http://schemas.microsoft.com/office/drawing/2010/main" val="0"/>
+              </a:ext>
+            </a:extLst>
+          </a:blip>
+          <a:srcRect/>
+          <a:stretch>
+            <a:fillRect/>
+          </a:stretch>
+        </p:blipFill>
+        <p:spPr bwMode="auto">
+          <a:xfrm>
+            <a:off x="1731963" y="2371725"/>
+            <a:ext cx="3665537" cy="625475"/>
+          </a:xfrm>
+          <a:prstGeom prst="rect">
+            <a:avLst/>
+          </a:prstGeom>
+          <a:noFill/>
+          <a:extLst>
+            <a:ext uri="{909E8E84-426E-40DD-AFC4-6F175D3DCCD1}">
+              <a14:hiddenFill xmlns:a14="http://schemas.microsoft.com/office/drawing/2010/main">
+                <a:solidFill>
+                  <a:srgbClr val="FFFFFF"/>
+                </a:solidFill>
+              </a14:hiddenFill>
+            </a:ext>
+          </a:extLst>
+        </p:spPr>
+      </p:pic>
+      <p:sp>
+        <p:nvSpPr>
+          <p:cNvPr id="4" name="pole tekstowe 3"/>
+          <p:cNvSpPr txBox="1"/>
+          <p:nvPr/>
+        </p:nvSpPr>
+        <p:spPr>
+          <a:xfrm>
+            <a:off x="1623010" y="1879957"/>
+            <a:ext cx="569387" cy="646331"/>
+          </a:xfrm>
+          <a:prstGeom prst="rect">
+            <a:avLst/>
+          </a:prstGeom>
+          <a:noFill/>
+        </p:spPr>
+        <p:txBody>
+          <a:bodyPr wrap="none" rtlCol="0">
+            <a:spAutoFit/>
+          </a:bodyPr>
+          <a:lstStyle/>
+          <a:p>
+            <a:r>
+              <a:rPr lang="pl-PL" dirty="0" smtClean="0"/>
+              <a:t>sink</a:t>
+            </a:r>
+          </a:p>
+          <a:p>
+            <a:r>
+              <a:rPr lang="pl-PL" dirty="0"/>
+              <a:t> </a:t>
+            </a:r>
+            <a:r>
+              <a:rPr lang="pl-PL" dirty="0" smtClean="0"/>
+              <a:t>50</a:t>
+            </a:r>
+            <a:endParaRPr lang="en-US" dirty="0"/>
+          </a:p>
+        </p:txBody>
+      </p:sp>
+      <p:sp>
+        <p:nvSpPr>
+          <p:cNvPr id="5" name="Prostokąt 4"/>
+          <p:cNvSpPr/>
+          <p:nvPr/>
+        </p:nvSpPr>
+        <p:spPr>
+          <a:xfrm>
+            <a:off x="4788024" y="1879956"/>
+            <a:ext cx="936104" cy="646331"/>
+          </a:xfrm>
+          <a:prstGeom prst="rect">
+            <a:avLst/>
+          </a:prstGeom>
+        </p:spPr>
+        <p:txBody>
+          <a:bodyPr wrap="square">
+            <a:spAutoFit/>
+          </a:bodyPr>
+          <a:lstStyle/>
+          <a:p>
+            <a:r>
+              <a:rPr lang="pl-PL" dirty="0" smtClean="0"/>
+              <a:t>source</a:t>
+            </a:r>
+            <a:endParaRPr lang="pl-PL" dirty="0"/>
+          </a:p>
+          <a:p>
+            <a:r>
+              <a:rPr lang="pl-PL" dirty="0" smtClean="0"/>
+              <a:t>  -50</a:t>
+            </a:r>
+            <a:endParaRPr lang="en-US" dirty="0"/>
+          </a:p>
+        </p:txBody>
+      </p:sp>
+      <p:sp>
+        <p:nvSpPr>
+          <p:cNvPr id="6" name="pole tekstowe 5"/>
+          <p:cNvSpPr txBox="1"/>
+          <p:nvPr/>
+        </p:nvSpPr>
+        <p:spPr>
+          <a:xfrm>
+            <a:off x="3372350" y="2150442"/>
+            <a:ext cx="301686" cy="369332"/>
+          </a:xfrm>
+          <a:prstGeom prst="rect">
+            <a:avLst/>
+          </a:prstGeom>
+          <a:noFill/>
+        </p:spPr>
+        <p:txBody>
+          <a:bodyPr wrap="none" rtlCol="0">
+            <a:spAutoFit/>
+          </a:bodyPr>
+          <a:lstStyle/>
+          <a:p>
+            <a:r>
+              <a:rPr lang="pl-PL" dirty="0" smtClean="0"/>
+              <a:t>0</a:t>
+            </a:r>
+            <a:endParaRPr lang="en-US" dirty="0"/>
+          </a:p>
+        </p:txBody>
+      </p:sp>
+    </p:spTree>
+    <p:extLst>
+      <p:ext uri="{BB962C8B-B14F-4D97-AF65-F5344CB8AC3E}">
+        <p14:creationId xmlns:p14="http://schemas.microsoft.com/office/powerpoint/2010/main" val="2647155470"/>
+      </p:ext>
+    </p:extLst>
+  </p:cSld>
+  <p:clrMapOvr>
+    <a:masterClrMapping/>
+  </p:clrMapOvr>
+</p:sld>
+</file>
+
 <file path=ppt/theme/theme1.xml><?xml version="1.0" encoding="utf-8"?>
 <a:theme xmlns:a="http://schemas.openxmlformats.org/drawingml/2006/main" name="Motyw pakietu Office">
   <a:themeElements>

--- a/images/grafiki2.pptx
+++ b/images/grafiki2.pptx
@@ -295,7 +295,7 @@
           <a:p>
             <a:fld id="{73DC2A5F-AB26-4093-A5A0-5979EA2459B3}" type="datetimeFigureOut">
               <a:rPr lang="en-US" smtClean="0"/>
-              <a:t>12/17/2017</a:t>
+              <a:t>12/28/2017</a:t>
             </a:fld>
             <a:endParaRPr lang="en-US"/>
           </a:p>
@@ -465,7 +465,7 @@
           <a:p>
             <a:fld id="{73DC2A5F-AB26-4093-A5A0-5979EA2459B3}" type="datetimeFigureOut">
               <a:rPr lang="en-US" smtClean="0"/>
-              <a:t>12/17/2017</a:t>
+              <a:t>12/28/2017</a:t>
             </a:fld>
             <a:endParaRPr lang="en-US"/>
           </a:p>
@@ -645,7 +645,7 @@
           <a:p>
             <a:fld id="{73DC2A5F-AB26-4093-A5A0-5979EA2459B3}" type="datetimeFigureOut">
               <a:rPr lang="en-US" smtClean="0"/>
-              <a:t>12/17/2017</a:t>
+              <a:t>12/28/2017</a:t>
             </a:fld>
             <a:endParaRPr lang="en-US"/>
           </a:p>
@@ -815,7 +815,7 @@
           <a:p>
             <a:fld id="{73DC2A5F-AB26-4093-A5A0-5979EA2459B3}" type="datetimeFigureOut">
               <a:rPr lang="en-US" smtClean="0"/>
-              <a:t>12/17/2017</a:t>
+              <a:t>12/28/2017</a:t>
             </a:fld>
             <a:endParaRPr lang="en-US"/>
           </a:p>
@@ -1061,7 +1061,7 @@
           <a:p>
             <a:fld id="{73DC2A5F-AB26-4093-A5A0-5979EA2459B3}" type="datetimeFigureOut">
               <a:rPr lang="en-US" smtClean="0"/>
-              <a:t>12/17/2017</a:t>
+              <a:t>12/28/2017</a:t>
             </a:fld>
             <a:endParaRPr lang="en-US"/>
           </a:p>
@@ -1349,7 +1349,7 @@
           <a:p>
             <a:fld id="{73DC2A5F-AB26-4093-A5A0-5979EA2459B3}" type="datetimeFigureOut">
               <a:rPr lang="en-US" smtClean="0"/>
-              <a:t>12/17/2017</a:t>
+              <a:t>12/28/2017</a:t>
             </a:fld>
             <a:endParaRPr lang="en-US"/>
           </a:p>
@@ -1771,7 +1771,7 @@
           <a:p>
             <a:fld id="{73DC2A5F-AB26-4093-A5A0-5979EA2459B3}" type="datetimeFigureOut">
               <a:rPr lang="en-US" smtClean="0"/>
-              <a:t>12/17/2017</a:t>
+              <a:t>12/28/2017</a:t>
             </a:fld>
             <a:endParaRPr lang="en-US"/>
           </a:p>
@@ -1889,7 +1889,7 @@
           <a:p>
             <a:fld id="{73DC2A5F-AB26-4093-A5A0-5979EA2459B3}" type="datetimeFigureOut">
               <a:rPr lang="en-US" smtClean="0"/>
-              <a:t>12/17/2017</a:t>
+              <a:t>12/28/2017</a:t>
             </a:fld>
             <a:endParaRPr lang="en-US"/>
           </a:p>
@@ -1984,7 +1984,7 @@
           <a:p>
             <a:fld id="{73DC2A5F-AB26-4093-A5A0-5979EA2459B3}" type="datetimeFigureOut">
               <a:rPr lang="en-US" smtClean="0"/>
-              <a:t>12/17/2017</a:t>
+              <a:t>12/28/2017</a:t>
             </a:fld>
             <a:endParaRPr lang="en-US"/>
           </a:p>
@@ -2261,7 +2261,7 @@
           <a:p>
             <a:fld id="{73DC2A5F-AB26-4093-A5A0-5979EA2459B3}" type="datetimeFigureOut">
               <a:rPr lang="en-US" smtClean="0"/>
-              <a:t>12/17/2017</a:t>
+              <a:t>12/28/2017</a:t>
             </a:fld>
             <a:endParaRPr lang="en-US"/>
           </a:p>
@@ -2514,7 +2514,7 @@
           <a:p>
             <a:fld id="{73DC2A5F-AB26-4093-A5A0-5979EA2459B3}" type="datetimeFigureOut">
               <a:rPr lang="en-US" smtClean="0"/>
-              <a:t>12/17/2017</a:t>
+              <a:t>12/28/2017</a:t>
             </a:fld>
             <a:endParaRPr lang="en-US"/>
           </a:p>
@@ -2727,7 +2727,7 @@
           <a:p>
             <a:fld id="{73DC2A5F-AB26-4093-A5A0-5979EA2459B3}" type="datetimeFigureOut">
               <a:rPr lang="en-US" smtClean="0"/>
-              <a:t>12/17/2017</a:t>
+              <a:t>12/28/2017</a:t>
             </a:fld>
             <a:endParaRPr lang="en-US"/>
           </a:p>
@@ -5265,7 +5265,7 @@
       </p:grpSpPr>
       <p:pic>
         <p:nvPicPr>
-          <p:cNvPr id="3074" name="Picture 2" descr="D:\Dokumenty\Studia\mgr_fiz\magisterka\images\amplitude.png"/>
+          <p:cNvPr id="1027" name="Picture 3" descr="D:\Dokumenty\Studia\mgr_fiz\magisterka\images\usrednianie_z_tlem2.png"/>
           <p:cNvPicPr>
             <a:picLocks noChangeAspect="1" noChangeArrowheads="1"/>
           </p:cNvPicPr>
@@ -5286,8 +5286,8 @@
         </p:blipFill>
         <p:spPr bwMode="auto">
           <a:xfrm>
-            <a:off x="827584" y="862013"/>
-            <a:ext cx="5334000" cy="4000500"/>
+            <a:off x="831717" y="886245"/>
+            <a:ext cx="5334000" cy="4000501"/>
           </a:xfrm>
           <a:prstGeom prst="rect">
             <a:avLst/>
@@ -5320,7 +5320,7 @@
           </a:prstGeom>
           <a:ln w="12700">
             <a:solidFill>
-              <a:srgbClr val="8B279F"/>
+              <a:srgbClr val="00B0F0"/>
             </a:solidFill>
             <a:headEnd type="arrow"/>
             <a:tailEnd type="arrow"/>
@@ -5434,7 +5434,7 @@
             <a:r>
               <a:rPr lang="pl-PL" sz="1600" dirty="0" smtClean="0">
                 <a:solidFill>
-                  <a:srgbClr val="8B279F"/>
+                  <a:srgbClr val="00B0F0"/>
                 </a:solidFill>
               </a:rPr>
               <a:t>     amplitude of 1</a:t>
@@ -5442,7 +5442,7 @@
             <a:r>
               <a:rPr lang="pl-PL" sz="1600" baseline="30000" dirty="0" smtClean="0">
                 <a:solidFill>
-                  <a:srgbClr val="8B279F"/>
+                  <a:srgbClr val="00B0F0"/>
                 </a:solidFill>
               </a:rPr>
               <a:t>st</a:t>
@@ -5450,14 +5450,14 @@
             <a:r>
               <a:rPr lang="pl-PL" sz="1600" dirty="0" smtClean="0">
                 <a:solidFill>
-                  <a:srgbClr val="8B279F"/>
+                  <a:srgbClr val="00B0F0"/>
                 </a:solidFill>
               </a:rPr>
               <a:t> peak</a:t>
             </a:r>
             <a:endParaRPr lang="en-US" sz="1600" dirty="0">
               <a:solidFill>
-                <a:srgbClr val="8B279F"/>
+                <a:srgbClr val="00B0F0"/>
               </a:solidFill>
             </a:endParaRPr>
           </a:p>
@@ -5549,7 +5549,7 @@
       </p:grpSpPr>
       <p:pic>
         <p:nvPicPr>
-          <p:cNvPr id="1027" name="Picture 3" descr="D:\Dokumenty\Studia\mgr_fiz\magisterka\images\pik_widmo.png"/>
+          <p:cNvPr id="2052" name="Picture 4" descr="D:\Dokumenty\Studia\mgr_fiz\magisterka\images\pik_widmo3.png"/>
           <p:cNvPicPr>
             <a:picLocks noChangeAspect="1" noChangeArrowheads="1"/>
           </p:cNvPicPr>
@@ -5570,7 +5570,7 @@
         </p:blipFill>
         <p:spPr bwMode="auto">
           <a:xfrm>
-            <a:off x="793676" y="692696"/>
+            <a:off x="827584" y="816682"/>
             <a:ext cx="5334000" cy="4000500"/>
           </a:xfrm>
           <a:prstGeom prst="rect">
@@ -5596,15 +5596,15 @@
         </p:nvCxnSpPr>
         <p:spPr>
           <a:xfrm>
-            <a:off x="2708030" y="1556792"/>
-            <a:ext cx="0" cy="2592288"/>
+            <a:off x="2715019" y="1916832"/>
+            <a:ext cx="0" cy="2339428"/>
           </a:xfrm>
           <a:prstGeom prst="straightConnector1">
             <a:avLst/>
           </a:prstGeom>
           <a:ln w="12700">
             <a:solidFill>
-              <a:srgbClr val="8B279F"/>
+              <a:srgbClr val="00B0F0"/>
             </a:solidFill>
             <a:headEnd type="arrow"/>
             <a:tailEnd type="arrow"/>
@@ -5633,8 +5633,8 @@
         </p:nvCxnSpPr>
         <p:spPr>
           <a:xfrm>
-            <a:off x="3890020" y="3845808"/>
-            <a:ext cx="0" cy="288032"/>
+            <a:off x="3846058" y="3680196"/>
+            <a:ext cx="0" cy="576064"/>
           </a:xfrm>
           <a:prstGeom prst="straightConnector1">
             <a:avLst/>
@@ -5670,7 +5670,7 @@
         </p:nvSpPr>
         <p:spPr>
           <a:xfrm>
-            <a:off x="1508150" y="980728"/>
+            <a:off x="1438182" y="1268760"/>
             <a:ext cx="2413738" cy="584775"/>
           </a:xfrm>
           <a:prstGeom prst="rect">
@@ -5687,7 +5687,7 @@
             <a:r>
               <a:rPr lang="pl-PL" sz="1600" dirty="0" smtClean="0">
                 <a:solidFill>
-                  <a:srgbClr val="8B279F"/>
+                  <a:srgbClr val="00B0F0"/>
                 </a:solidFill>
               </a:rPr>
               <a:t>       amplitude of peak in</a:t>
@@ -5697,14 +5697,14 @@
             <a:r>
               <a:rPr lang="pl-PL" sz="1600" dirty="0" smtClean="0">
                 <a:solidFill>
-                  <a:srgbClr val="8B279F"/>
+                  <a:srgbClr val="00B0F0"/>
                 </a:solidFill>
               </a:rPr>
               <a:t>     fundamental frequency</a:t>
             </a:r>
             <a:endParaRPr lang="en-US" sz="1600" dirty="0">
               <a:solidFill>
-                <a:srgbClr val="8B279F"/>
+                <a:srgbClr val="00B0F0"/>
               </a:solidFill>
             </a:endParaRPr>
           </a:p>
@@ -5718,7 +5718,7 @@
         </p:nvSpPr>
         <p:spPr>
           <a:xfrm>
-            <a:off x="2901554" y="3132257"/>
+            <a:off x="2901554" y="2996952"/>
             <a:ext cx="1859676" cy="584775"/>
           </a:xfrm>
           <a:prstGeom prst="rect">
